--- a/Gui Calculator.pptx
+++ b/Gui Calculator.pptx
@@ -14,8 +14,6 @@
     <p:sldId id="267" r:id="rId8"/>
     <p:sldId id="261" r:id="rId9"/>
     <p:sldId id="263" r:id="rId10"/>
-    <p:sldId id="269" r:id="rId11"/>
-    <p:sldId id="270" r:id="rId12"/>
   </p:sldIdLst>
   <p:sldSz cx="12192000" cy="6858000"/>
   <p:notesSz cx="6858000" cy="9144000"/>
@@ -5930,213 +5928,6 @@
 </p:sld>
 </file>
 
-<file path=ppt/slides/slide10.xml><?xml version="1.0" encoding="utf-8"?>
-<p:sld xmlns:a="http://schemas.openxmlformats.org/drawingml/2006/main" xmlns:r="http://schemas.openxmlformats.org/officeDocument/2006/relationships" xmlns:p="http://schemas.openxmlformats.org/presentationml/2006/main" show="0">
-  <p:cSld>
-    <p:spTree>
-      <p:nvGrpSpPr>
-        <p:cNvPr id="1" name=""/>
-        <p:cNvGrpSpPr/>
-        <p:nvPr/>
-      </p:nvGrpSpPr>
-      <p:grpSpPr>
-        <a:xfrm>
-          <a:off x="0" y="0"/>
-          <a:ext cx="0" cy="0"/>
-          <a:chOff x="0" y="0"/>
-          <a:chExt cx="0" cy="0"/>
-        </a:xfrm>
-      </p:grpSpPr>
-      <p:sp>
-        <p:nvSpPr>
-          <p:cNvPr id="2" name="Title 1"/>
-          <p:cNvSpPr>
-            <a:spLocks noGrp="1"/>
-          </p:cNvSpPr>
-          <p:nvPr>
-            <p:ph type="title"/>
-          </p:nvPr>
-        </p:nvSpPr>
-        <p:spPr/>
-        <p:txBody>
-          <a:bodyPr/>
-          <a:lstStyle/>
-          <a:p>
-            <a:endParaRPr lang="en-IN"/>
-          </a:p>
-        </p:txBody>
-      </p:sp>
-      <p:sp>
-        <p:nvSpPr>
-          <p:cNvPr id="3" name="Content Placeholder 2"/>
-          <p:cNvSpPr>
-            <a:spLocks noGrp="1"/>
-          </p:cNvSpPr>
-          <p:nvPr>
-            <p:ph idx="1"/>
-          </p:nvPr>
-        </p:nvSpPr>
-        <p:spPr/>
-        <p:txBody>
-          <a:bodyPr/>
-          <a:lstStyle/>
-          <a:p>
-            <a:endParaRPr lang="en-IN"/>
-          </a:p>
-        </p:txBody>
-      </p:sp>
-      <p:pic>
-        <p:nvPicPr>
-          <p:cNvPr id="4" name="Picture 3"/>
-          <p:cNvPicPr>
-            <a:picLocks noChangeAspect="1"/>
-          </p:cNvPicPr>
-          <p:nvPr/>
-        </p:nvPicPr>
-        <p:blipFill>
-          <a:blip r:embed="rId2"/>
-          <a:stretch>
-            <a:fillRect/>
-          </a:stretch>
-        </p:blipFill>
-        <p:spPr>
-          <a:xfrm>
-            <a:off x="-3048000" y="-1714500"/>
-            <a:ext cx="18288000" cy="10287000"/>
-          </a:xfrm>
-          <a:prstGeom prst="rect">
-            <a:avLst/>
-          </a:prstGeom>
-        </p:spPr>
-      </p:pic>
-    </p:spTree>
-    <p:extLst>
-      <p:ext uri="{BB962C8B-B14F-4D97-AF65-F5344CB8AC3E}">
-        <p14:creationId xmlns:p14="http://schemas.microsoft.com/office/powerpoint/2010/main" val="1639681220"/>
-      </p:ext>
-    </p:extLst>
-  </p:cSld>
-  <p:clrMapOvr>
-    <a:masterClrMapping/>
-  </p:clrMapOvr>
-  <mc:AlternateContent xmlns:mc="http://schemas.openxmlformats.org/markup-compatibility/2006" xmlns:p14="http://schemas.microsoft.com/office/powerpoint/2010/main">
-    <mc:Choice Requires="p14">
-      <p:transition spd="slow" p14:dur="2000"/>
-    </mc:Choice>
-    <mc:Fallback xmlns="">
-      <p:transition spd="slow"/>
-    </mc:Fallback>
-  </mc:AlternateContent>
-  <p:timing>
-    <p:tnLst>
-      <p:par>
-        <p:cTn id="1" dur="indefinite" restart="never" nodeType="tmRoot"/>
-      </p:par>
-    </p:tnLst>
-  </p:timing>
-</p:sld>
-</file>
-
-<file path=ppt/slides/slide11.xml><?xml version="1.0" encoding="utf-8"?>
-<p:sld xmlns:a="http://schemas.openxmlformats.org/drawingml/2006/main" xmlns:r="http://schemas.openxmlformats.org/officeDocument/2006/relationships" xmlns:p="http://schemas.openxmlformats.org/presentationml/2006/main" show="0">
-  <p:cSld>
-    <p:spTree>
-      <p:nvGrpSpPr>
-        <p:cNvPr id="1" name=""/>
-        <p:cNvGrpSpPr/>
-        <p:nvPr/>
-      </p:nvGrpSpPr>
-      <p:grpSpPr>
-        <a:xfrm>
-          <a:off x="0" y="0"/>
-          <a:ext cx="0" cy="0"/>
-          <a:chOff x="0" y="0"/>
-          <a:chExt cx="0" cy="0"/>
-        </a:xfrm>
-      </p:grpSpPr>
-      <p:sp>
-        <p:nvSpPr>
-          <p:cNvPr id="2" name="Title 1"/>
-          <p:cNvSpPr>
-            <a:spLocks noGrp="1"/>
-          </p:cNvSpPr>
-          <p:nvPr>
-            <p:ph type="title"/>
-          </p:nvPr>
-        </p:nvSpPr>
-        <p:spPr/>
-        <p:txBody>
-          <a:bodyPr/>
-          <a:lstStyle/>
-          <a:p>
-            <a:endParaRPr lang="en-IN"/>
-          </a:p>
-        </p:txBody>
-      </p:sp>
-      <p:sp>
-        <p:nvSpPr>
-          <p:cNvPr id="3" name="Content Placeholder 2"/>
-          <p:cNvSpPr>
-            <a:spLocks noGrp="1"/>
-          </p:cNvSpPr>
-          <p:nvPr>
-            <p:ph idx="1"/>
-          </p:nvPr>
-        </p:nvSpPr>
-        <p:spPr/>
-        <p:txBody>
-          <a:bodyPr/>
-          <a:lstStyle/>
-          <a:p>
-            <a:endParaRPr lang="en-IN"/>
-          </a:p>
-        </p:txBody>
-      </p:sp>
-      <p:pic>
-        <p:nvPicPr>
-          <p:cNvPr id="4" name="Picture 3"/>
-          <p:cNvPicPr>
-            <a:picLocks noChangeAspect="1"/>
-          </p:cNvPicPr>
-          <p:nvPr/>
-        </p:nvPicPr>
-        <p:blipFill>
-          <a:blip r:embed="rId2"/>
-          <a:stretch>
-            <a:fillRect/>
-          </a:stretch>
-        </p:blipFill>
-        <p:spPr>
-          <a:xfrm>
-            <a:off x="-3048000" y="-1714500"/>
-            <a:ext cx="18288000" cy="10287000"/>
-          </a:xfrm>
-          <a:prstGeom prst="rect">
-            <a:avLst/>
-          </a:prstGeom>
-        </p:spPr>
-      </p:pic>
-    </p:spTree>
-    <p:extLst>
-      <p:ext uri="{BB962C8B-B14F-4D97-AF65-F5344CB8AC3E}">
-        <p14:creationId xmlns:p14="http://schemas.microsoft.com/office/powerpoint/2010/main" val="3135401177"/>
-      </p:ext>
-    </p:extLst>
-  </p:cSld>
-  <p:clrMapOvr>
-    <a:masterClrMapping/>
-  </p:clrMapOvr>
-  <mc:AlternateContent xmlns:mc="http://schemas.openxmlformats.org/markup-compatibility/2006" xmlns:p14="http://schemas.microsoft.com/office/powerpoint/2010/main">
-    <mc:Choice Requires="p14">
-      <p:transition spd="slow" p14:dur="2000"/>
-    </mc:Choice>
-    <mc:Fallback xmlns="">
-      <p:transition spd="slow"/>
-    </mc:Fallback>
-  </mc:AlternateContent>
-</p:sld>
-</file>
-
 <file path=ppt/slides/slide2.xml><?xml version="1.0" encoding="utf-8"?>
 <p:sld xmlns:a="http://schemas.openxmlformats.org/drawingml/2006/main" xmlns:r="http://schemas.openxmlformats.org/officeDocument/2006/relationships" xmlns:p="http://schemas.openxmlformats.org/presentationml/2006/main">
   <p:cSld>
@@ -8310,11 +8101,7 @@
             </a:r>
             <a:r>
               <a:rPr lang="en-IN" dirty="0" smtClean="0"/>
-              <a:t>GUI calculator is easy to use-All operators and numbers are at a single </a:t>
-            </a:r>
-            <a:r>
-              <a:rPr lang="en-IN" dirty="0" smtClean="0"/>
-              <a:t>click</a:t>
+              <a:t>GUI calculator is easy to use-All operators and numbers are at a single click</a:t>
             </a:r>
           </a:p>
           <a:p>
@@ -8352,7 +8139,6 @@
               <a:rPr lang="en-IN" dirty="0" smtClean="0"/>
               <a:t> facilitates that features to create an appealing calculator</a:t>
             </a:r>
-            <a:endParaRPr lang="en-IN" dirty="0" smtClean="0"/>
           </a:p>
           <a:p>
             <a:pPr marL="0" indent="0">
